--- a/umuganda_project/joshua/slides.pptx
+++ b/umuganda_project/joshua/slides.pptx
@@ -114,7 +114,7 @@
   </p:defaultTextStyle>
   <p:extLst>
     <p:ext uri="{EFAFB233-063F-42B5-8137-9DF3F51BA10A}">
-      <p15:sldGuideLst xmlns="" xmlns:p15="http://schemas.microsoft.com/office/powerpoint/2012/main"/>
+      <p15:sldGuideLst xmlns:p15="http://schemas.microsoft.com/office/powerpoint/2012/main" xmlns=""/>
     </p:ext>
   </p:extLst>
 </p:presentation>
@@ -251,7 +251,7 @@
           <a:p>
             <a:fld id="{8968A28D-5349-42D9-82F9-16CDBB85886C}" type="datetimeFigureOut">
               <a:rPr lang="en-US" smtClean="0"/>
-              <a:t>8/9/2019</a:t>
+              <a:t>11/28/2019</a:t>
             </a:fld>
             <a:endParaRPr lang="en-US"/>
           </a:p>
@@ -421,7 +421,7 @@
           <a:p>
             <a:fld id="{8968A28D-5349-42D9-82F9-16CDBB85886C}" type="datetimeFigureOut">
               <a:rPr lang="en-US" smtClean="0"/>
-              <a:t>8/9/2019</a:t>
+              <a:t>11/28/2019</a:t>
             </a:fld>
             <a:endParaRPr lang="en-US"/>
           </a:p>
@@ -601,7 +601,7 @@
           <a:p>
             <a:fld id="{8968A28D-5349-42D9-82F9-16CDBB85886C}" type="datetimeFigureOut">
               <a:rPr lang="en-US" smtClean="0"/>
-              <a:t>8/9/2019</a:t>
+              <a:t>11/28/2019</a:t>
             </a:fld>
             <a:endParaRPr lang="en-US"/>
           </a:p>
@@ -771,7 +771,7 @@
           <a:p>
             <a:fld id="{8968A28D-5349-42D9-82F9-16CDBB85886C}" type="datetimeFigureOut">
               <a:rPr lang="en-US" smtClean="0"/>
-              <a:t>8/9/2019</a:t>
+              <a:t>11/28/2019</a:t>
             </a:fld>
             <a:endParaRPr lang="en-US"/>
           </a:p>
@@ -1017,7 +1017,7 @@
           <a:p>
             <a:fld id="{8968A28D-5349-42D9-82F9-16CDBB85886C}" type="datetimeFigureOut">
               <a:rPr lang="en-US" smtClean="0"/>
-              <a:t>8/9/2019</a:t>
+              <a:t>11/28/2019</a:t>
             </a:fld>
             <a:endParaRPr lang="en-US"/>
           </a:p>
@@ -1249,7 +1249,7 @@
           <a:p>
             <a:fld id="{8968A28D-5349-42D9-82F9-16CDBB85886C}" type="datetimeFigureOut">
               <a:rPr lang="en-US" smtClean="0"/>
-              <a:t>8/9/2019</a:t>
+              <a:t>11/28/2019</a:t>
             </a:fld>
             <a:endParaRPr lang="en-US"/>
           </a:p>
@@ -1616,7 +1616,7 @@
           <a:p>
             <a:fld id="{8968A28D-5349-42D9-82F9-16CDBB85886C}" type="datetimeFigureOut">
               <a:rPr lang="en-US" smtClean="0"/>
-              <a:t>8/9/2019</a:t>
+              <a:t>11/28/2019</a:t>
             </a:fld>
             <a:endParaRPr lang="en-US"/>
           </a:p>
@@ -1734,7 +1734,7 @@
           <a:p>
             <a:fld id="{8968A28D-5349-42D9-82F9-16CDBB85886C}" type="datetimeFigureOut">
               <a:rPr lang="en-US" smtClean="0"/>
-              <a:t>8/9/2019</a:t>
+              <a:t>11/28/2019</a:t>
             </a:fld>
             <a:endParaRPr lang="en-US"/>
           </a:p>
@@ -1829,7 +1829,7 @@
           <a:p>
             <a:fld id="{8968A28D-5349-42D9-82F9-16CDBB85886C}" type="datetimeFigureOut">
               <a:rPr lang="en-US" smtClean="0"/>
-              <a:t>8/9/2019</a:t>
+              <a:t>11/28/2019</a:t>
             </a:fld>
             <a:endParaRPr lang="en-US"/>
           </a:p>
@@ -2106,7 +2106,7 @@
           <a:p>
             <a:fld id="{8968A28D-5349-42D9-82F9-16CDBB85886C}" type="datetimeFigureOut">
               <a:rPr lang="en-US" smtClean="0"/>
-              <a:t>8/9/2019</a:t>
+              <a:t>11/28/2019</a:t>
             </a:fld>
             <a:endParaRPr lang="en-US"/>
           </a:p>
@@ -2359,7 +2359,7 @@
           <a:p>
             <a:fld id="{8968A28D-5349-42D9-82F9-16CDBB85886C}" type="datetimeFigureOut">
               <a:rPr lang="en-US" smtClean="0"/>
-              <a:t>8/9/2019</a:t>
+              <a:t>11/28/2019</a:t>
             </a:fld>
             <a:endParaRPr lang="en-US"/>
           </a:p>
@@ -2572,7 +2572,7 @@
           <a:p>
             <a:fld id="{8968A28D-5349-42D9-82F9-16CDBB85886C}" type="datetimeFigureOut">
               <a:rPr lang="en-US" smtClean="0"/>
-              <a:t>8/9/2019</a:t>
+              <a:t>11/28/2019</a:t>
             </a:fld>
             <a:endParaRPr lang="en-US"/>
           </a:p>
@@ -3014,8 +3014,84 @@
             <a:off x="0" y="0"/>
             <a:ext cx="12192000" cy="6858000"/>
           </a:xfrm>
+          <a:ln>
+            <a:solidFill>
+              <a:schemeClr val="bg1"/>
+            </a:solidFill>
+          </a:ln>
         </p:spPr>
+        <p:style>
+          <a:lnRef idx="0">
+            <a:scrgbClr r="0" g="0" b="0"/>
+          </a:lnRef>
+          <a:fillRef idx="1001">
+            <a:schemeClr val="lt1"/>
+          </a:fillRef>
+          <a:effectRef idx="0">
+            <a:scrgbClr r="0" g="0" b="0"/>
+          </a:effectRef>
+          <a:fontRef idx="major"/>
+        </p:style>
       </p:pic>
+      <p:sp>
+        <p:nvSpPr>
+          <p:cNvPr id="2" name="Rectangle 1"/>
+          <p:cNvSpPr/>
+          <p:nvPr/>
+        </p:nvSpPr>
+        <p:spPr>
+          <a:xfrm>
+            <a:off x="10350500" y="6591300"/>
+            <a:ext cx="977900" cy="266700"/>
+          </a:xfrm>
+          <a:prstGeom prst="rect">
+            <a:avLst/>
+          </a:prstGeom>
+          <a:solidFill>
+            <a:schemeClr val="bg1"/>
+          </a:solidFill>
+        </p:spPr>
+        <p:style>
+          <a:lnRef idx="2">
+            <a:schemeClr val="accent1">
+              <a:shade val="50000"/>
+            </a:schemeClr>
+          </a:lnRef>
+          <a:fillRef idx="1">
+            <a:schemeClr val="accent1"/>
+          </a:fillRef>
+          <a:effectRef idx="0">
+            <a:schemeClr val="accent1"/>
+          </a:effectRef>
+          <a:fontRef idx="minor">
+            <a:schemeClr val="lt1"/>
+          </a:fontRef>
+        </p:style>
+        <p:txBody>
+          <a:bodyPr rtlCol="0" anchor="ctr"/>
+          <a:lstStyle/>
+          <a:p>
+            <a:pPr algn="ctr"/>
+            <a:r>
+              <a:rPr lang="en-US" sz="1400" b="1" dirty="0" smtClean="0">
+                <a:solidFill>
+                  <a:schemeClr val="tx1"/>
+                </a:solidFill>
+                <a:latin typeface="Times New Roman" pitchFamily="18" charset="0"/>
+                <a:cs typeface="Times New Roman" pitchFamily="18" charset="0"/>
+              </a:rPr>
+              <a:t>November</a:t>
+            </a:r>
+            <a:endParaRPr lang="en-US" sz="1400" b="1" dirty="0">
+              <a:solidFill>
+                <a:schemeClr val="tx1"/>
+              </a:solidFill>
+              <a:latin typeface="Times New Roman" pitchFamily="18" charset="0"/>
+              <a:cs typeface="Times New Roman" pitchFamily="18" charset="0"/>
+            </a:endParaRPr>
+          </a:p>
+        </p:txBody>
+      </p:sp>
     </p:spTree>
     <p:extLst>
       <p:ext uri="{BB962C8B-B14F-4D97-AF65-F5344CB8AC3E}">
@@ -3026,11 +3102,11 @@
   <p:clrMapOvr>
     <a:masterClrMapping/>
   </p:clrMapOvr>
-  <mc:AlternateContent xmlns:mc="http://schemas.openxmlformats.org/markup-compatibility/2006">
-    <mc:Choice xmlns:p14="http://schemas.microsoft.com/office/powerpoint/2010/main" Requires="p14">
+  <mc:AlternateContent xmlns:mc="http://schemas.openxmlformats.org/markup-compatibility/2006" xmlns:p14="http://schemas.microsoft.com/office/powerpoint/2010/main">
+    <mc:Choice Requires="p14">
       <p:transition spd="slow" p14:dur="2000"/>
     </mc:Choice>
-    <mc:Fallback>
+    <mc:Fallback xmlns="">
       <p:transition spd="slow"/>
     </mc:Fallback>
   </mc:AlternateContent>
@@ -3127,7 +3203,21 @@
                 <a:latin typeface="Times New Roman" pitchFamily="18" charset="0"/>
                 <a:cs typeface="Times New Roman" pitchFamily="18" charset="0"/>
               </a:rPr>
-              <a:t>Today, Technology changes the life and behavior of the world, now technology as part of Information Communication and Technology (I.C.T) is used by different areas like companies, public sectors and private sectors and even different states in their daily activities. Therefore many activities are managed through the internet where many manage or gain access to services without matter of everywhere there are, then the `time and cost of the services reduced and the production increase.</a:t>
+              <a:t>Today, Technology changes the life and behavior of the world, now technology as part of Information Communication and Technology </a:t>
+            </a:r>
+            <a:r>
+              <a:rPr lang="en-US" sz="2400" dirty="0" smtClean="0">
+                <a:latin typeface="Times New Roman" pitchFamily="18" charset="0"/>
+                <a:cs typeface="Times New Roman" pitchFamily="18" charset="0"/>
+              </a:rPr>
+              <a:t>is </a:t>
+            </a:r>
+            <a:r>
+              <a:rPr lang="en-US" sz="2400" dirty="0">
+                <a:latin typeface="Times New Roman" pitchFamily="18" charset="0"/>
+                <a:cs typeface="Times New Roman" pitchFamily="18" charset="0"/>
+              </a:rPr>
+              <a:t>used by different areas like companies, public sectors and private sectors and even different states in their daily activities. Therefore many activities are managed through the internet where many manage or gain access to services without matter of everywhere there are, then the `time and cost of the services reduced and the production increase.</a:t>
             </a:r>
           </a:p>
           <a:p>
@@ -4642,7 +4732,7 @@
   <a:extraClrSchemeLst/>
   <a:extLst>
     <a:ext uri="{05A4C25C-085E-4340-85A3-A5531E510DB2}">
-      <thm15:themeFamily xmlns="" xmlns:thm15="http://schemas.microsoft.com/office/thememl/2012/main" name="Office Theme" id="{62F939B6-93AF-4DB8-9C6B-D6C7DFDC589F}" vid="{4A3C46E8-61CC-4603-A589-7422A47A8E4A}"/>
+      <thm15:themeFamily xmlns:thm15="http://schemas.microsoft.com/office/thememl/2012/main" xmlns="" name="Office Theme" id="{62F939B6-93AF-4DB8-9C6B-D6C7DFDC589F}" vid="{4A3C46E8-61CC-4603-A589-7422A47A8E4A}"/>
     </a:ext>
   </a:extLst>
 </a:theme>
